--- a/4 - Cuarto corte/Presentación MPI.pptx
+++ b/4 - Cuarto corte/Presentación MPI.pptx
@@ -841,7 +841,7 @@
           <a:p>
             <a:fld id="{1DCE5284-E847-44BA-8967-A8861C45C5B1}" type="datetimeFigureOut">
               <a:rPr lang="es-CO" smtClean="0"/>
-              <a:t>13/03/2022</a:t>
+              <a:t>17/03/2022</a:t>
             </a:fld>
             <a:endParaRPr lang="es-CO"/>
           </a:p>
@@ -1092,7 +1092,7 @@
           <a:p>
             <a:fld id="{1DCE5284-E847-44BA-8967-A8861C45C5B1}" type="datetimeFigureOut">
               <a:rPr lang="es-CO" smtClean="0"/>
-              <a:t>13/03/2022</a:t>
+              <a:t>17/03/2022</a:t>
             </a:fld>
             <a:endParaRPr lang="es-CO"/>
           </a:p>
@@ -1406,7 +1406,7 @@
           <a:p>
             <a:fld id="{1DCE5284-E847-44BA-8967-A8861C45C5B1}" type="datetimeFigureOut">
               <a:rPr lang="es-CO" smtClean="0"/>
-              <a:t>13/03/2022</a:t>
+              <a:t>17/03/2022</a:t>
             </a:fld>
             <a:endParaRPr lang="es-CO"/>
           </a:p>
@@ -1747,7 +1747,7 @@
           <a:p>
             <a:fld id="{1DCE5284-E847-44BA-8967-A8861C45C5B1}" type="datetimeFigureOut">
               <a:rPr lang="es-CO" smtClean="0"/>
-              <a:t>13/03/2022</a:t>
+              <a:t>17/03/2022</a:t>
             </a:fld>
             <a:endParaRPr lang="es-CO"/>
           </a:p>
@@ -2061,7 +2061,7 @@
           <a:p>
             <a:fld id="{1DCE5284-E847-44BA-8967-A8861C45C5B1}" type="datetimeFigureOut">
               <a:rPr lang="es-CO" smtClean="0"/>
-              <a:t>13/03/2022</a:t>
+              <a:t>17/03/2022</a:t>
             </a:fld>
             <a:endParaRPr lang="es-CO"/>
           </a:p>
@@ -2454,7 +2454,7 @@
           <a:p>
             <a:fld id="{1DCE5284-E847-44BA-8967-A8861C45C5B1}" type="datetimeFigureOut">
               <a:rPr lang="es-CO" smtClean="0"/>
-              <a:t>13/03/2022</a:t>
+              <a:t>17/03/2022</a:t>
             </a:fld>
             <a:endParaRPr lang="es-CO"/>
           </a:p>
@@ -2624,7 +2624,7 @@
           <a:p>
             <a:fld id="{1DCE5284-E847-44BA-8967-A8861C45C5B1}" type="datetimeFigureOut">
               <a:rPr lang="es-CO" smtClean="0"/>
-              <a:t>13/03/2022</a:t>
+              <a:t>17/03/2022</a:t>
             </a:fld>
             <a:endParaRPr lang="es-CO"/>
           </a:p>
@@ -2804,7 +2804,7 @@
           <a:p>
             <a:fld id="{1DCE5284-E847-44BA-8967-A8861C45C5B1}" type="datetimeFigureOut">
               <a:rPr lang="es-CO" smtClean="0"/>
-              <a:t>13/03/2022</a:t>
+              <a:t>17/03/2022</a:t>
             </a:fld>
             <a:endParaRPr lang="es-CO"/>
           </a:p>
@@ -2980,7 +2980,7 @@
           <a:p>
             <a:fld id="{1DCE5284-E847-44BA-8967-A8861C45C5B1}" type="datetimeFigureOut">
               <a:rPr lang="es-CO" smtClean="0"/>
-              <a:t>13/03/2022</a:t>
+              <a:t>17/03/2022</a:t>
             </a:fld>
             <a:endParaRPr lang="es-CO"/>
           </a:p>
@@ -3227,7 +3227,7 @@
           <a:p>
             <a:fld id="{1DCE5284-E847-44BA-8967-A8861C45C5B1}" type="datetimeFigureOut">
               <a:rPr lang="es-CO" smtClean="0"/>
-              <a:t>13/03/2022</a:t>
+              <a:t>17/03/2022</a:t>
             </a:fld>
             <a:endParaRPr lang="es-CO"/>
           </a:p>
@@ -3459,7 +3459,7 @@
           <a:p>
             <a:fld id="{1DCE5284-E847-44BA-8967-A8861C45C5B1}" type="datetimeFigureOut">
               <a:rPr lang="es-CO" smtClean="0"/>
-              <a:t>13/03/2022</a:t>
+              <a:t>17/03/2022</a:t>
             </a:fld>
             <a:endParaRPr lang="es-CO"/>
           </a:p>
@@ -3833,7 +3833,7 @@
           <a:p>
             <a:fld id="{1DCE5284-E847-44BA-8967-A8861C45C5B1}" type="datetimeFigureOut">
               <a:rPr lang="es-CO" smtClean="0"/>
-              <a:t>13/03/2022</a:t>
+              <a:t>17/03/2022</a:t>
             </a:fld>
             <a:endParaRPr lang="es-CO"/>
           </a:p>
@@ -3956,7 +3956,7 @@
           <a:p>
             <a:fld id="{1DCE5284-E847-44BA-8967-A8861C45C5B1}" type="datetimeFigureOut">
               <a:rPr lang="es-CO" smtClean="0"/>
-              <a:t>13/03/2022</a:t>
+              <a:t>17/03/2022</a:t>
             </a:fld>
             <a:endParaRPr lang="es-CO"/>
           </a:p>
@@ -4051,7 +4051,7 @@
           <a:p>
             <a:fld id="{1DCE5284-E847-44BA-8967-A8861C45C5B1}" type="datetimeFigureOut">
               <a:rPr lang="es-CO" smtClean="0"/>
-              <a:t>13/03/2022</a:t>
+              <a:t>17/03/2022</a:t>
             </a:fld>
             <a:endParaRPr lang="es-CO"/>
           </a:p>
@@ -4306,7 +4306,7 @@
           <a:p>
             <a:fld id="{1DCE5284-E847-44BA-8967-A8861C45C5B1}" type="datetimeFigureOut">
               <a:rPr lang="es-CO" smtClean="0"/>
-              <a:t>13/03/2022</a:t>
+              <a:t>17/03/2022</a:t>
             </a:fld>
             <a:endParaRPr lang="es-CO"/>
           </a:p>
@@ -4569,7 +4569,7 @@
           <a:p>
             <a:fld id="{1DCE5284-E847-44BA-8967-A8861C45C5B1}" type="datetimeFigureOut">
               <a:rPr lang="es-CO" smtClean="0"/>
-              <a:t>13/03/2022</a:t>
+              <a:t>17/03/2022</a:t>
             </a:fld>
             <a:endParaRPr lang="es-CO"/>
           </a:p>
@@ -5312,7 +5312,7 @@
           <a:p>
             <a:fld id="{1DCE5284-E847-44BA-8967-A8861C45C5B1}" type="datetimeFigureOut">
               <a:rPr lang="es-CO" smtClean="0"/>
-              <a:t>13/03/2022</a:t>
+              <a:t>17/03/2022</a:t>
             </a:fld>
             <a:endParaRPr lang="es-CO"/>
           </a:p>
@@ -7775,10 +7775,10 @@
       </p:sp>
       <p:pic>
         <p:nvPicPr>
-          <p:cNvPr id="3" name="Imagen 2">
+          <p:cNvPr id="5" name="Imagen 4">
             <a:extLst>
               <a:ext uri="{FF2B5EF4-FFF2-40B4-BE49-F238E27FC236}">
-                <a16:creationId xmlns:a16="http://schemas.microsoft.com/office/drawing/2014/main" id="{01FCCA72-11F2-4FFC-93C5-AE8558DD2A3B}"/>
+                <a16:creationId xmlns:a16="http://schemas.microsoft.com/office/drawing/2014/main" id="{F5527842-B855-45DA-8C08-8CE6F54BE755}"/>
               </a:ext>
             </a:extLst>
           </p:cNvPr>
@@ -7787,29 +7787,20 @@
           </p:cNvPicPr>
           <p:nvPr/>
         </p:nvPicPr>
-        <p:blipFill rotWithShape="1">
+        <p:blipFill>
           <a:blip r:embed="rId2"/>
-          <a:srcRect r="19677" b="1"/>
-          <a:stretch/>
+          <a:stretch>
+            <a:fillRect/>
+          </a:stretch>
         </p:blipFill>
         <p:spPr>
           <a:xfrm>
-            <a:off x="3866011" y="640257"/>
-            <a:ext cx="7791417" cy="5577486"/>
+            <a:off x="3539780" y="666750"/>
+            <a:ext cx="7762875" cy="5524500"/>
           </a:xfrm>
           <a:prstGeom prst="rect">
             <a:avLst/>
           </a:prstGeom>
-          <a:ln>
-            <a:noFill/>
-          </a:ln>
-          <a:effectLst>
-            <a:outerShdw blurRad="292100" dist="139700" dir="2700000" algn="tl" rotWithShape="0">
-              <a:srgbClr val="333333">
-                <a:alpha val="65000"/>
-              </a:srgbClr>
-            </a:outerShdw>
-          </a:effectLst>
         </p:spPr>
       </p:pic>
     </p:spTree>
@@ -9319,10 +9310,10 @@
       </p:sp>
       <p:pic>
         <p:nvPicPr>
-          <p:cNvPr id="7" name="Imagen 6">
+          <p:cNvPr id="3" name="Imagen 2">
             <a:extLst>
               <a:ext uri="{FF2B5EF4-FFF2-40B4-BE49-F238E27FC236}">
-                <a16:creationId xmlns:a16="http://schemas.microsoft.com/office/drawing/2014/main" id="{EA59A530-6AD4-486C-9F00-22D724B1F90C}"/>
+                <a16:creationId xmlns:a16="http://schemas.microsoft.com/office/drawing/2014/main" id="{0B63D131-A60C-450D-B58B-5F8E5BC958E8}"/>
               </a:ext>
             </a:extLst>
           </p:cNvPr>
@@ -9339,8 +9330,8 @@
         </p:blipFill>
         <p:spPr>
           <a:xfrm>
-            <a:off x="602360" y="398788"/>
-            <a:ext cx="11044572" cy="6023383"/>
+            <a:off x="1514697" y="134983"/>
+            <a:ext cx="9374411" cy="6588034"/>
           </a:xfrm>
           <a:prstGeom prst="rect">
             <a:avLst/>
@@ -10804,10 +10795,10 @@
       </p:sp>
       <p:pic>
         <p:nvPicPr>
-          <p:cNvPr id="5" name="Imagen 4">
+          <p:cNvPr id="3" name="Imagen 2">
             <a:extLst>
               <a:ext uri="{FF2B5EF4-FFF2-40B4-BE49-F238E27FC236}">
-                <a16:creationId xmlns:a16="http://schemas.microsoft.com/office/drawing/2014/main" id="{A48FACD4-4C1D-45B2-919A-68014AF527EB}"/>
+                <a16:creationId xmlns:a16="http://schemas.microsoft.com/office/drawing/2014/main" id="{D2E6E355-E4BF-46FC-A07C-07C9C9A601F7}"/>
               </a:ext>
             </a:extLst>
           </p:cNvPr>
@@ -10824,8 +10815,8 @@
         </p:blipFill>
         <p:spPr>
           <a:xfrm>
-            <a:off x="622831" y="306534"/>
-            <a:ext cx="11006379" cy="6337006"/>
+            <a:off x="588416" y="130936"/>
+            <a:ext cx="11001156" cy="6559087"/>
           </a:xfrm>
           <a:prstGeom prst="rect">
             <a:avLst/>
@@ -10864,10 +10855,10 @@
       </p:grpSpPr>
       <p:pic>
         <p:nvPicPr>
-          <p:cNvPr id="5" name="Imagen 4">
+          <p:cNvPr id="3" name="Imagen 2">
             <a:extLst>
               <a:ext uri="{FF2B5EF4-FFF2-40B4-BE49-F238E27FC236}">
-                <a16:creationId xmlns:a16="http://schemas.microsoft.com/office/drawing/2014/main" id="{BBFBEAE8-2A4B-4367-953B-263EA63BE150}"/>
+                <a16:creationId xmlns:a16="http://schemas.microsoft.com/office/drawing/2014/main" id="{74A65595-0C0E-41A0-A94A-DCCBCE79B382}"/>
               </a:ext>
             </a:extLst>
           </p:cNvPr>
@@ -10884,8 +10875,8 @@
         </p:blipFill>
         <p:spPr>
           <a:xfrm>
-            <a:off x="263292" y="706608"/>
-            <a:ext cx="11665415" cy="5642231"/>
+            <a:off x="303554" y="191965"/>
+            <a:ext cx="11660664" cy="6349512"/>
           </a:xfrm>
           <a:prstGeom prst="rect">
             <a:avLst/>
@@ -11347,36 +11338,6 @@
           <a:chExt cx="0" cy="0"/>
         </a:xfrm>
       </p:grpSpPr>
-      <p:pic>
-        <p:nvPicPr>
-          <p:cNvPr id="5" name="Imagen 4">
-            <a:extLst>
-              <a:ext uri="{FF2B5EF4-FFF2-40B4-BE49-F238E27FC236}">
-                <a16:creationId xmlns:a16="http://schemas.microsoft.com/office/drawing/2014/main" id="{A48CD813-AFB4-4138-A96B-BC26D2A295D1}"/>
-              </a:ext>
-            </a:extLst>
-          </p:cNvPr>
-          <p:cNvPicPr>
-            <a:picLocks noChangeAspect="1"/>
-          </p:cNvPicPr>
-          <p:nvPr/>
-        </p:nvPicPr>
-        <p:blipFill>
-          <a:blip r:embed="rId2"/>
-          <a:stretch>
-            <a:fillRect/>
-          </a:stretch>
-        </p:blipFill>
-        <p:spPr>
-          <a:xfrm>
-            <a:off x="246183" y="395041"/>
-            <a:ext cx="11699631" cy="5410824"/>
-          </a:xfrm>
-          <a:prstGeom prst="rect">
-            <a:avLst/>
-          </a:prstGeom>
-        </p:spPr>
-      </p:pic>
       <p:sp>
         <p:nvSpPr>
           <p:cNvPr id="6" name="CuadroTexto 5">
@@ -11458,6 +11419,36 @@
           </a:p>
         </p:txBody>
       </p:sp>
+      <p:pic>
+        <p:nvPicPr>
+          <p:cNvPr id="3" name="Imagen 2">
+            <a:extLst>
+              <a:ext uri="{FF2B5EF4-FFF2-40B4-BE49-F238E27FC236}">
+                <a16:creationId xmlns:a16="http://schemas.microsoft.com/office/drawing/2014/main" id="{C5CD9AE2-F2AC-465B-BB44-F16BBAC87AC7}"/>
+              </a:ext>
+            </a:extLst>
+          </p:cNvPr>
+          <p:cNvPicPr>
+            <a:picLocks noChangeAspect="1"/>
+          </p:cNvPicPr>
+          <p:nvPr/>
+        </p:nvPicPr>
+        <p:blipFill>
+          <a:blip r:embed="rId2"/>
+          <a:stretch>
+            <a:fillRect/>
+          </a:stretch>
+        </p:blipFill>
+        <p:spPr>
+          <a:xfrm>
+            <a:off x="434910" y="735769"/>
+            <a:ext cx="11322180" cy="4803349"/>
+          </a:xfrm>
+          <a:prstGeom prst="rect">
+            <a:avLst/>
+          </a:prstGeom>
+        </p:spPr>
+      </p:pic>
     </p:spTree>
     <p:extLst>
       <p:ext uri="{BB962C8B-B14F-4D97-AF65-F5344CB8AC3E}">
